--- a/Presentation.pptx
+++ b/Presentation.pptx
@@ -249,7 +249,7 @@
           <a:p>
             <a:fld id="{03AB2F5F-49ED-40E3-A1A5-941FF8279870}" type="datetimeFigureOut">
               <a:rPr lang="en-US" smtClean="0"/>
-              <a:t>8/31/2023</a:t>
+              <a:t>9/1/2023</a:t>
             </a:fld>
             <a:endParaRPr lang="en-US" dirty="0"/>
           </a:p>
@@ -426,7 +426,7 @@
           <a:p>
             <a:fld id="{6C2C1060-699B-414A-8D16-7630F8BDD05E}" type="datetimeFigureOut">
               <a:rPr lang="en-US" smtClean="0"/>
-              <a:t>8/31/2023</a:t>
+              <a:t>9/1/2023</a:t>
             </a:fld>
             <a:endParaRPr lang="en-US" dirty="0"/>
           </a:p>
@@ -738,42 +738,10 @@
           <a:lstStyle/>
           <a:p>
             <a:r>
-              <a:rPr lang="en-US" dirty="0">
-                <a:ea typeface="Calibri"/>
-                <a:cs typeface="Calibri"/>
-              </a:rPr>
-              <a:t>First off, it's an awesome TV show on Netflix, well worth watching</a:t>
-            </a:r>
-          </a:p>
-          <a:p>
-            <a:endParaRPr lang="en-US" dirty="0">
-              <a:ea typeface="Calibri"/>
-              <a:cs typeface="Calibri"/>
-            </a:endParaRPr>
-          </a:p>
-          <a:p>
-            <a:r>
-              <a:rPr lang="en-US" dirty="0">
-                <a:ea typeface="Calibri"/>
-                <a:cs typeface="Calibri"/>
-              </a:rPr>
-              <a:t>Second, it inspired millions of people to take up chess</a:t>
-            </a:r>
-          </a:p>
-          <a:p>
-            <a:endParaRPr lang="en-US" dirty="0">
-              <a:ea typeface="Calibri"/>
-              <a:cs typeface="Calibri"/>
-            </a:endParaRPr>
-          </a:p>
-          <a:p>
-            <a:r>
-              <a:rPr lang="en-US" dirty="0">
-                <a:ea typeface="Calibri"/>
-                <a:cs typeface="Calibri"/>
-              </a:rPr>
-              <a:t>Or maybe it was me joining chess.com - if you squint you can see me in the data just before the elbow</a:t>
-            </a:r>
+              <a:rPr lang="en-US" dirty="0"/>
+              <a:t>My project is about chess and is called Why The Queen’s Gambit Is Awesome</a:t>
+            </a:r>
+            <a:endParaRPr lang="en-GB" dirty="0"/>
           </a:p>
         </p:txBody>
       </p:sp>
@@ -792,9 +760,9 @@
           <a:bodyPr/>
           <a:lstStyle/>
           <a:p>
-            <a:fld id="{3ED51245-A7A5-4517-A4C5-F741FAE668F7}" type="slidenum">
+            <a:fld id="{D5ADF348-2A86-4531-BD4E-BD8C0BBDAD47}" type="slidenum">
               <a:rPr lang="en-US" smtClean="0"/>
-              <a:t>2</a:t>
+              <a:t>1</a:t>
             </a:fld>
             <a:endParaRPr lang="en-US" dirty="0"/>
           </a:p>
@@ -803,7 +771,7 @@
     </p:spTree>
     <p:extLst>
       <p:ext uri="{BB962C8B-B14F-4D97-AF65-F5344CB8AC3E}">
-        <p14:creationId xmlns:p14="http://schemas.microsoft.com/office/powerpoint/2010/main" val="1461130133"/>
+        <p14:creationId xmlns:p14="http://schemas.microsoft.com/office/powerpoint/2010/main" val="2559276484"/>
       </p:ext>
     </p:extLst>
   </p:cSld>
@@ -814,6 +782,134 @@
 </file>
 
 <file path=ppt/notesSlides/notesSlide10.xml><?xml version="1.0" encoding="utf-8"?>
+<p:notes xmlns:a="http://schemas.openxmlformats.org/drawingml/2006/main" xmlns:r="http://schemas.openxmlformats.org/officeDocument/2006/relationships" xmlns:p="http://schemas.openxmlformats.org/presentationml/2006/main">
+  <p:cSld>
+    <p:spTree>
+      <p:nvGrpSpPr>
+        <p:cNvPr id="1" name=""/>
+        <p:cNvGrpSpPr/>
+        <p:nvPr/>
+      </p:nvGrpSpPr>
+      <p:grpSpPr>
+        <a:xfrm>
+          <a:off x="0" y="0"/>
+          <a:ext cx="0" cy="0"/>
+          <a:chOff x="0" y="0"/>
+          <a:chExt cx="0" cy="0"/>
+        </a:xfrm>
+      </p:grpSpPr>
+      <p:sp>
+        <p:nvSpPr>
+          <p:cNvPr id="2" name="Slide Image Placeholder 1"/>
+          <p:cNvSpPr>
+            <a:spLocks noGrp="1" noRot="1" noChangeAspect="1"/>
+          </p:cNvSpPr>
+          <p:nvPr>
+            <p:ph type="sldImg"/>
+          </p:nvPr>
+        </p:nvSpPr>
+        <p:spPr/>
+      </p:sp>
+      <p:sp>
+        <p:nvSpPr>
+          <p:cNvPr id="3" name="Notes Placeholder 2"/>
+          <p:cNvSpPr>
+            <a:spLocks noGrp="1"/>
+          </p:cNvSpPr>
+          <p:nvPr>
+            <p:ph type="body" idx="1"/>
+          </p:nvPr>
+        </p:nvSpPr>
+        <p:spPr/>
+        <p:txBody>
+          <a:bodyPr/>
+          <a:lstStyle/>
+          <a:p>
+            <a:r>
+              <a:rPr lang="en-US" dirty="0">
+                <a:cs typeface="Calibri"/>
+              </a:rPr>
+              <a:t>These are the “stretch” games’ top 6 opening sequences by average Result for White.</a:t>
+            </a:r>
+          </a:p>
+          <a:p>
+            <a:endParaRPr lang="en-US" dirty="0">
+              <a:cs typeface="Calibri"/>
+            </a:endParaRPr>
+          </a:p>
+          <a:p>
+            <a:r>
+              <a:rPr lang="en-US" dirty="0">
+                <a:cs typeface="Calibri"/>
+              </a:rPr>
+              <a:t>Can anyone spot a pattern here?</a:t>
+            </a:r>
+          </a:p>
+          <a:p>
+            <a:endParaRPr lang="en-US" dirty="0">
+              <a:cs typeface="Calibri"/>
+            </a:endParaRPr>
+          </a:p>
+          <a:p>
+            <a:r>
+              <a:rPr lang="en-US" dirty="0">
+                <a:cs typeface="Calibri"/>
+              </a:rPr>
+              <a:t>4 of 6 are ALL Queen's Gambits</a:t>
+            </a:r>
+          </a:p>
+          <a:p>
+            <a:endParaRPr lang="en-US" dirty="0">
+              <a:cs typeface="Calibri"/>
+            </a:endParaRPr>
+          </a:p>
+          <a:p>
+            <a:r>
+              <a:rPr lang="en-US" dirty="0">
+                <a:cs typeface="Calibri"/>
+              </a:rPr>
+              <a:t>It’s there in black and white – the Queen’s Gambit is indeed awesome!!!</a:t>
+            </a:r>
+          </a:p>
+        </p:txBody>
+      </p:sp>
+      <p:sp>
+        <p:nvSpPr>
+          <p:cNvPr id="4" name="Slide Number Placeholder 3"/>
+          <p:cNvSpPr>
+            <a:spLocks noGrp="1"/>
+          </p:cNvSpPr>
+          <p:nvPr>
+            <p:ph type="sldNum" sz="quarter" idx="5"/>
+          </p:nvPr>
+        </p:nvSpPr>
+        <p:spPr/>
+        <p:txBody>
+          <a:bodyPr/>
+          <a:lstStyle/>
+          <a:p>
+            <a:fld id="{D5ADF348-2A86-4531-BD4E-BD8C0BBDAD47}" type="slidenum">
+              <a:rPr lang="en-US" smtClean="0"/>
+              <a:t>10</a:t>
+            </a:fld>
+            <a:endParaRPr lang="en-US" dirty="0"/>
+          </a:p>
+        </p:txBody>
+      </p:sp>
+    </p:spTree>
+    <p:extLst>
+      <p:ext uri="{BB962C8B-B14F-4D97-AF65-F5344CB8AC3E}">
+        <p14:creationId xmlns:p14="http://schemas.microsoft.com/office/powerpoint/2010/main" val="2868435542"/>
+      </p:ext>
+    </p:extLst>
+  </p:cSld>
+  <p:clrMapOvr>
+    <a:masterClrMapping/>
+  </p:clrMapOvr>
+</p:notes>
+</file>
+
+<file path=ppt/notesSlides/notesSlide11.xml><?xml version="1.0" encoding="utf-8"?>
 <p:notes xmlns:a="http://schemas.openxmlformats.org/drawingml/2006/main" xmlns:r="http://schemas.openxmlformats.org/officeDocument/2006/relationships" xmlns:p="http://schemas.openxmlformats.org/presentationml/2006/main">
   <p:cSld>
     <p:spTree>
@@ -949,65 +1045,22 @@
                 <a:ea typeface="Calibri"/>
                 <a:cs typeface="Calibri"/>
               </a:rPr>
-              <a:t>All online chess games and uploaded tournament data are saved as .</a:t>
-            </a:r>
-            <a:r>
-              <a:rPr lang="en-US" dirty="0" err="1">
-                <a:ea typeface="Calibri"/>
-                <a:cs typeface="Calibri"/>
-              </a:rPr>
-              <a:t>pgn</a:t>
-            </a:r>
+              <a:t>First off, The Queen’s Gambit is an awesome TV show on Netflix, well worth watching</a:t>
+            </a:r>
+          </a:p>
+          <a:p>
+            <a:endParaRPr lang="en-US" dirty="0">
+              <a:ea typeface="Calibri"/>
+              <a:cs typeface="Calibri"/>
+            </a:endParaRPr>
+          </a:p>
+          <a:p>
             <a:r>
               <a:rPr lang="en-US" dirty="0">
                 <a:ea typeface="Calibri"/>
                 <a:cs typeface="Calibri"/>
               </a:rPr>
-              <a:t> files</a:t>
-            </a:r>
-          </a:p>
-          <a:p>
-            <a:endParaRPr lang="en-US" dirty="0">
-              <a:ea typeface="Calibri"/>
-              <a:cs typeface="Calibri"/>
-            </a:endParaRPr>
-          </a:p>
-          <a:p>
-            <a:r>
-              <a:rPr lang="en-US" dirty="0">
-                <a:ea typeface="Calibri"/>
-                <a:cs typeface="Calibri"/>
-              </a:rPr>
-              <a:t>These are </a:t>
-            </a:r>
-            <a:r>
-              <a:rPr lang="en-US" dirty="0" err="1">
-                <a:ea typeface="Calibri"/>
-                <a:cs typeface="Calibri"/>
-              </a:rPr>
-              <a:t>standardised</a:t>
-            </a:r>
-            <a:r>
-              <a:rPr lang="en-US" dirty="0">
-                <a:ea typeface="Calibri"/>
-                <a:cs typeface="Calibri"/>
-              </a:rPr>
-              <a:t> and contain useful info</a:t>
-            </a:r>
-          </a:p>
-          <a:p>
-            <a:endParaRPr lang="en-US" dirty="0">
-              <a:ea typeface="Calibri"/>
-              <a:cs typeface="Calibri"/>
-            </a:endParaRPr>
-          </a:p>
-          <a:p>
-            <a:r>
-              <a:rPr lang="en-US" dirty="0">
-                <a:ea typeface="Calibri"/>
-                <a:cs typeface="Calibri"/>
-              </a:rPr>
-              <a:t>ELO vs ECO is unnecessarily confusing, so I'll try to refer to them as "ratings" and "openings"</a:t>
+              <a:t>It’s remarkable as it inspired millions of people to take up chess as a hobby – when it came out in late 2020 (red) chess.com had 35m subscribers, now over 100m today including me (blue)</a:t>
             </a:r>
           </a:p>
         </p:txBody>
@@ -1027,9 +1080,9 @@
           <a:bodyPr/>
           <a:lstStyle/>
           <a:p>
-            <a:fld id="{D5ADF348-2A86-4531-BD4E-BD8C0BBDAD47}" type="slidenum">
+            <a:fld id="{3ED51245-A7A5-4517-A4C5-F741FAE668F7}" type="slidenum">
               <a:rPr lang="en-US" smtClean="0"/>
-              <a:t>3</a:t>
+              <a:t>2</a:t>
             </a:fld>
             <a:endParaRPr lang="en-US" dirty="0"/>
           </a:p>
@@ -1038,7 +1091,7 @@
     </p:spTree>
     <p:extLst>
       <p:ext uri="{BB962C8B-B14F-4D97-AF65-F5344CB8AC3E}">
-        <p14:creationId xmlns:p14="http://schemas.microsoft.com/office/powerpoint/2010/main" val="4210006284"/>
+        <p14:creationId xmlns:p14="http://schemas.microsoft.com/office/powerpoint/2010/main" val="1461130133"/>
       </p:ext>
     </p:extLst>
   </p:cSld>
@@ -1097,7 +1150,7 @@
                 <a:ea typeface="Calibri"/>
                 <a:cs typeface="Calibri"/>
               </a:rPr>
-              <a:t>I wrote a function to convert the .</a:t>
+              <a:t>All online chess games and uploaded tournament games are saved as .</a:t>
             </a:r>
             <a:r>
               <a:rPr lang="en-US" dirty="0" err="1">
@@ -1111,60 +1164,91 @@
                 <a:ea typeface="Calibri"/>
                 <a:cs typeface="Calibri"/>
               </a:rPr>
-              <a:t> into our friend a Pandas </a:t>
+              <a:t> files</a:t>
+            </a:r>
+          </a:p>
+          <a:p>
+            <a:endParaRPr lang="en-US" dirty="0">
+              <a:ea typeface="Calibri"/>
+              <a:cs typeface="Calibri"/>
+            </a:endParaRPr>
+          </a:p>
+          <a:p>
+            <a:r>
+              <a:rPr lang="en-US" dirty="0">
+                <a:ea typeface="Calibri"/>
+                <a:cs typeface="Calibri"/>
+              </a:rPr>
+              <a:t>These have a </a:t>
             </a:r>
             <a:r>
               <a:rPr lang="en-US" dirty="0" err="1">
                 <a:ea typeface="Calibri"/>
                 <a:cs typeface="Calibri"/>
               </a:rPr>
-              <a:t>Dataframe</a:t>
-            </a:r>
+              <a:t>standardised</a:t>
+            </a:r>
+            <a:r>
+              <a:rPr lang="en-US" dirty="0">
+                <a:ea typeface="Calibri"/>
+                <a:cs typeface="Calibri"/>
+              </a:rPr>
+              <a:t> format and contain useful info</a:t>
+            </a:r>
+          </a:p>
+          <a:p>
             <a:endParaRPr lang="en-US" dirty="0">
               <a:ea typeface="Calibri"/>
               <a:cs typeface="Calibri"/>
             </a:endParaRPr>
           </a:p>
           <a:p>
+            <a:r>
+              <a:rPr lang="en-US" dirty="0">
+                <a:ea typeface="Calibri"/>
+                <a:cs typeface="Calibri"/>
+              </a:rPr>
+              <a:t>ELO vs ECO is unnecessarily confusing, so I'll try to refer to them as "ratings" and "openings“</a:t>
+            </a:r>
+          </a:p>
+          <a:p>
             <a:endParaRPr lang="en-US" dirty="0">
               <a:ea typeface="Calibri"/>
               <a:cs typeface="Calibri"/>
             </a:endParaRPr>
           </a:p>
           <a:p>
+            <a:pPr marL="0" marR="0" lvl="0" indent="0" algn="l" defTabSz="914400" rtl="0" eaLnBrk="1" fontAlgn="auto" latinLnBrk="0" hangingPunct="1">
+              <a:lnSpc>
+                <a:spcPct val="100000"/>
+              </a:lnSpc>
+              <a:spcBef>
+                <a:spcPts val="0"/>
+              </a:spcBef>
+              <a:spcAft>
+                <a:spcPts val="0"/>
+              </a:spcAft>
+              <a:buClrTx/>
+              <a:buSzTx/>
+              <a:buFontTx/>
+              <a:buNone/>
+              <a:tabLst/>
+              <a:defRPr/>
+            </a:pPr>
             <a:r>
               <a:rPr lang="en-US" dirty="0">
                 <a:ea typeface="Calibri"/>
                 <a:cs typeface="Calibri"/>
               </a:rPr>
-              <a:t>This data was taken from Free Internet Chess Server (FICS) online portal</a:t>
-            </a:r>
-            <a:endParaRPr lang="en-US" dirty="0">
-              <a:cs typeface="Calibri" panose="020F0502020204030204"/>
-            </a:endParaRPr>
-          </a:p>
-          <a:p>
-            <a:endParaRPr lang="en-US" dirty="0">
-              <a:ea typeface="Calibri"/>
-              <a:cs typeface="Calibri"/>
-            </a:endParaRPr>
-          </a:p>
-          <a:p>
+              <a:t>I took all games in January 2018 from Free Internet Chess Server (FICS) online database</a:t>
+            </a:r>
             <a:r>
               <a:rPr lang="en-US" dirty="0">
-                <a:ea typeface="Calibri"/>
-                <a:cs typeface="Calibri"/>
+                <a:ea typeface="+mn-ea"/>
+                <a:cs typeface="Calibri" panose="020F0502020204030204"/>
               </a:rPr>
-              <a:t>All games in Jan 2018</a:t>
-            </a:r>
-          </a:p>
-          <a:p>
-            <a:endParaRPr lang="en-US" dirty="0">
-              <a:ea typeface="Calibri"/>
-              <a:cs typeface="Calibri"/>
-            </a:endParaRPr>
-          </a:p>
-          <a:p>
+              <a:t> - </a:t>
+            </a:r>
             <a:r>
               <a:rPr lang="en-US" dirty="0">
                 <a:ea typeface="Calibri"/>
@@ -1174,6 +1258,12 @@
             </a:r>
             <a:endParaRPr lang="en-US" dirty="0"/>
           </a:p>
+          <a:p>
+            <a:endParaRPr lang="en-US" dirty="0">
+              <a:ea typeface="Calibri"/>
+              <a:cs typeface="Calibri"/>
+            </a:endParaRPr>
+          </a:p>
         </p:txBody>
       </p:sp>
       <p:sp>
@@ -1193,7 +1283,7 @@
           <a:p>
             <a:fld id="{D5ADF348-2A86-4531-BD4E-BD8C0BBDAD47}" type="slidenum">
               <a:rPr lang="en-US" smtClean="0"/>
-              <a:t>4</a:t>
+              <a:t>3</a:t>
             </a:fld>
             <a:endParaRPr lang="en-US" dirty="0"/>
           </a:p>
@@ -1202,7 +1292,7 @@
     </p:spTree>
     <p:extLst>
       <p:ext uri="{BB962C8B-B14F-4D97-AF65-F5344CB8AC3E}">
-        <p14:creationId xmlns:p14="http://schemas.microsoft.com/office/powerpoint/2010/main" val="1390798509"/>
+        <p14:creationId xmlns:p14="http://schemas.microsoft.com/office/powerpoint/2010/main" val="4210006284"/>
       </p:ext>
     </p:extLst>
   </p:cSld>
@@ -1258,83 +1348,39 @@
           <a:p>
             <a:r>
               <a:rPr lang="en-US" dirty="0">
+                <a:ea typeface="Calibri"/>
                 <a:cs typeface="Calibri"/>
               </a:rPr>
-              <a:t>It took a while – after 2.5 days we found some basic insights!!!</a:t>
-            </a:r>
-          </a:p>
-          <a:p>
-            <a:endParaRPr lang="en-US" dirty="0">
-              <a:cs typeface="Calibri"/>
-            </a:endParaRPr>
-          </a:p>
-          <a:p>
-            <a:r>
-              <a:rPr lang="en-US" dirty="0">
+              <a:t>I wrote a function to convert the .</a:t>
+            </a:r>
+            <a:r>
+              <a:rPr lang="en-US" dirty="0" err="1">
+                <a:ea typeface="Calibri"/>
                 <a:cs typeface="Calibri"/>
               </a:rPr>
-              <a:t>White wins more than Black, and there are few Draws – this makes sense as White starts and is always one move ahead. At high levels, the expectation is you win your White games (like serving in tennis), then you try to hold your opponent to a draw when playing as Black or if you can, beat them!</a:t>
-            </a:r>
-            <a:endParaRPr lang="en-US" dirty="0"/>
-          </a:p>
-          <a:p>
-            <a:endParaRPr lang="en-US" dirty="0">
-              <a:cs typeface="Calibri"/>
-            </a:endParaRPr>
-          </a:p>
-          <a:p>
+              <a:t>pgn</a:t>
+            </a:r>
             <a:r>
               <a:rPr lang="en-US" dirty="0">
+                <a:ea typeface="Calibri"/>
                 <a:cs typeface="Calibri"/>
               </a:rPr>
-              <a:t>There is a large spread of ratings for games played amongst the players - </a:t>
-            </a:r>
-            <a:r>
-              <a:rPr lang="en-US" dirty="0"/>
-              <a:t>I split the ratings for both White and Black into five quantiles to better understand the data later on.</a:t>
-            </a:r>
-            <a:endParaRPr lang="en-US" dirty="0">
-              <a:cs typeface="Calibri"/>
-            </a:endParaRPr>
-          </a:p>
-          <a:p>
-            <a:r>
-              <a:rPr lang="en-US" dirty="0">
+              <a:t> into our friend a Pandas </a:t>
+            </a:r>
+            <a:r>
+              <a:rPr lang="en-US" dirty="0" err="1">
+                <a:ea typeface="Calibri"/>
                 <a:cs typeface="Calibri"/>
               </a:rPr>
-              <a:t>Reference, chess.com App starts new accounts at ELO=1200 (middle of blue players) then adjusts up or down based on performance. 2000 above (mid-green) are candidates for master titles, 2500 are Grandmasters (only around 2000 in world)</a:t>
-            </a:r>
-            <a:endParaRPr lang="en-US" dirty="0"/>
-          </a:p>
-          <a:p>
+              <a:t>Dataframe</a:t>
+            </a:r>
             <a:r>
               <a:rPr lang="en-US" dirty="0">
+                <a:ea typeface="Calibri"/>
                 <a:cs typeface="Calibri"/>
               </a:rPr>
-              <a:t>I'm at around 1400... (yellow)</a:t>
-            </a:r>
-          </a:p>
-          <a:p>
-            <a:endParaRPr lang="en-US" dirty="0">
-              <a:cs typeface="Calibri"/>
-            </a:endParaRPr>
-          </a:p>
-          <a:p>
-            <a:r>
-              <a:rPr lang="en-US" dirty="0">
-                <a:cs typeface="Calibri"/>
-              </a:rPr>
-              <a:t>It's also clear that higher quantile players win more often against lower players irrespective of </a:t>
-            </a:r>
-            <a:r>
-              <a:rPr lang="en-US" dirty="0" err="1">
-                <a:cs typeface="Calibri"/>
-              </a:rPr>
-              <a:t>colour</a:t>
-            </a:r>
-            <a:endParaRPr lang="en-US" dirty="0">
-              <a:cs typeface="Calibri"/>
-            </a:endParaRPr>
+              <a:t> ready for analysis</a:t>
+            </a:r>
           </a:p>
         </p:txBody>
       </p:sp>
@@ -1355,7 +1401,7 @@
           <a:p>
             <a:fld id="{D5ADF348-2A86-4531-BD4E-BD8C0BBDAD47}" type="slidenum">
               <a:rPr lang="en-US" smtClean="0"/>
-              <a:t>5</a:t>
+              <a:t>4</a:t>
             </a:fld>
             <a:endParaRPr lang="en-US" dirty="0"/>
           </a:p>
@@ -1364,7 +1410,7 @@
     </p:spTree>
     <p:extLst>
       <p:ext uri="{BB962C8B-B14F-4D97-AF65-F5344CB8AC3E}">
-        <p14:creationId xmlns:p14="http://schemas.microsoft.com/office/powerpoint/2010/main" val="4258035715"/>
+        <p14:creationId xmlns:p14="http://schemas.microsoft.com/office/powerpoint/2010/main" val="1390798509"/>
       </p:ext>
     </p:extLst>
   </p:cSld>
@@ -1422,71 +1468,77 @@
               <a:rPr lang="en-US" dirty="0">
                 <a:cs typeface="Calibri"/>
               </a:rPr>
-              <a:t>Trying different classification models, and by oversampling Draws I managed to reach the heights of </a:t>
+              <a:t>LEFT – White wins more than Black</a:t>
+            </a:r>
+          </a:p>
+          <a:p>
+            <a:r>
+              <a:rPr lang="en-US" dirty="0">
+                <a:cs typeface="Calibri"/>
+              </a:rPr>
+              <a:t>This makes sense as White always starts the game so they effectively choose their preferred opening sequence and are always one move ahead of Black. Like serving in tennis, the expectation is you always win your White games, then as Black you try to hold your opponent to a draw or beat them if they slip up!</a:t>
+            </a:r>
+            <a:endParaRPr lang="en-US" dirty="0"/>
+          </a:p>
+          <a:p>
+            <a:endParaRPr lang="en-US" dirty="0">
+              <a:cs typeface="Calibri"/>
+            </a:endParaRPr>
+          </a:p>
+          <a:p>
+            <a:r>
+              <a:rPr lang="en-US" dirty="0">
+                <a:cs typeface="Calibri"/>
+              </a:rPr>
+              <a:t>MIDDLE - There is a large spread of player ratings for the games played in my data.</a:t>
+            </a:r>
+          </a:p>
+          <a:p>
+            <a:r>
+              <a:rPr lang="en-US" dirty="0"/>
+              <a:t>I split the ratings for both White and Black into five quantiles to better understand the data.</a:t>
+            </a:r>
+          </a:p>
+          <a:p>
+            <a:r>
+              <a:rPr lang="en-US" dirty="0">
+                <a:cs typeface="Calibri"/>
+              </a:rPr>
+              <a:t>Reference, new players start at ELO rating=1000-1200 (middle of blue) then move up or down based on performance. 2500 (end of the green tail) are Grandmasters (only around 2000 in world)</a:t>
+            </a:r>
+            <a:endParaRPr lang="en-US" dirty="0"/>
+          </a:p>
+          <a:p>
+            <a:r>
+              <a:rPr lang="en-US" dirty="0">
+                <a:cs typeface="Calibri"/>
+              </a:rPr>
+              <a:t>I'm at around 1400... (yellow) so a long way to go</a:t>
+            </a:r>
+          </a:p>
+          <a:p>
+            <a:endParaRPr lang="en-US" dirty="0">
+              <a:cs typeface="Calibri"/>
+            </a:endParaRPr>
+          </a:p>
+          <a:p>
+            <a:r>
+              <a:rPr lang="en-US" dirty="0">
+                <a:cs typeface="Calibri"/>
+              </a:rPr>
+              <a:t>RIGHT - It's also clear that higher quantile rated players win more often against lower players irrespective of </a:t>
             </a:r>
             <a:r>
               <a:rPr lang="en-US" dirty="0" err="1">
                 <a:cs typeface="Calibri"/>
               </a:rPr>
-              <a:t>prediction_score</a:t>
+              <a:t>colour</a:t>
             </a:r>
             <a:r>
               <a:rPr lang="en-US" dirty="0">
                 <a:cs typeface="Calibri"/>
               </a:rPr>
-              <a:t> = 0.63 - pretty rubbish, and clearly anyone could probably make a good guess by considering White and Black ELO, or just by flipping a coin</a:t>
-            </a:r>
-          </a:p>
-          <a:p>
-            <a:endParaRPr lang="en-US" dirty="0">
-              <a:cs typeface="Calibri"/>
-            </a:endParaRPr>
-          </a:p>
-          <a:p>
-            <a:r>
-              <a:rPr lang="en-US" dirty="0">
-                <a:cs typeface="Calibri"/>
-              </a:rPr>
-              <a:t>So I thought how could I get better at chess and improve my odds of winning</a:t>
-            </a:r>
-          </a:p>
-          <a:p>
-            <a:endParaRPr lang="en-US" dirty="0">
-              <a:cs typeface="Calibri"/>
-            </a:endParaRPr>
-          </a:p>
-          <a:p>
-            <a:r>
-              <a:rPr lang="en-US" dirty="0">
-                <a:cs typeface="Calibri"/>
-              </a:rPr>
-              <a:t>Chess.com pairs you with similar ranked opponents, so I looked at all games of players with the same ELO – fortunately, this was over half the dataset – chess-players are obviously fair players</a:t>
-            </a:r>
-          </a:p>
-          <a:p>
-            <a:endParaRPr lang="en-US" dirty="0">
-              <a:cs typeface="Calibri"/>
-            </a:endParaRPr>
-          </a:p>
-          <a:p>
-            <a:r>
-              <a:rPr lang="en-US" dirty="0">
-                <a:cs typeface="Calibri"/>
-              </a:rPr>
-              <a:t>I checked for this dataset whether openings had any bearing on the result. Null hypothesis was that opening types were independent from result – but p was low, the H0 had to go</a:t>
-            </a:r>
-          </a:p>
-          <a:p>
-            <a:endParaRPr lang="en-US" dirty="0">
-              <a:cs typeface="Calibri"/>
-            </a:endParaRPr>
-          </a:p>
-          <a:p>
-            <a:r>
-              <a:rPr lang="en-US" dirty="0">
-                <a:cs typeface="Calibri"/>
-              </a:rPr>
-              <a:t>So in order to improve my odds of winning, I should work on my chess openings.</a:t>
+              <a:t> played</a:t>
             </a:r>
           </a:p>
         </p:txBody>
@@ -1508,7 +1560,7 @@
           <a:p>
             <a:fld id="{D5ADF348-2A86-4531-BD4E-BD8C0BBDAD47}" type="slidenum">
               <a:rPr lang="en-US" smtClean="0"/>
-              <a:t>6</a:t>
+              <a:t>5</a:t>
             </a:fld>
             <a:endParaRPr lang="en-US" dirty="0"/>
           </a:p>
@@ -1517,7 +1569,7 @@
     </p:spTree>
     <p:extLst>
       <p:ext uri="{BB962C8B-B14F-4D97-AF65-F5344CB8AC3E}">
-        <p14:creationId xmlns:p14="http://schemas.microsoft.com/office/powerpoint/2010/main" val="1314237566"/>
+        <p14:creationId xmlns:p14="http://schemas.microsoft.com/office/powerpoint/2010/main" val="4258035715"/>
       </p:ext>
     </p:extLst>
   </p:cSld>
@@ -1575,7 +1627,19 @@
               <a:rPr lang="en-US" dirty="0">
                 <a:cs typeface="Calibri"/>
               </a:rPr>
-              <a:t>ECO (openings) are grouped into five broad families A - E with many variations within each</a:t>
+              <a:t>I tried different classification models, and by oversampling Draws I managed to reach the heights of </a:t>
+            </a:r>
+            <a:r>
+              <a:rPr lang="en-US" dirty="0" err="1">
+                <a:cs typeface="Calibri"/>
+              </a:rPr>
+              <a:t>prediction_score</a:t>
+            </a:r>
+            <a:r>
+              <a:rPr lang="en-US" dirty="0">
+                <a:cs typeface="Calibri"/>
+              </a:rPr>
+              <a:t> = 0.63 – not great</a:t>
             </a:r>
           </a:p>
           <a:p>
@@ -1588,9 +1652,8 @@
               <a:rPr lang="en-US" dirty="0">
                 <a:cs typeface="Calibri"/>
               </a:rPr>
-              <a:t>Results varied by opening family at different ELO-quantiles (rating levels)</a:t>
-            </a:r>
-            <a:endParaRPr lang="en-US" dirty="0"/>
+              <a:t>So instead I thought how could I improve my odds of winning my games</a:t>
+            </a:r>
           </a:p>
           <a:p>
             <a:endParaRPr lang="en-US" dirty="0">
@@ -1602,19 +1665,20 @@
               <a:rPr lang="en-US" dirty="0">
                 <a:cs typeface="Calibri"/>
               </a:rPr>
-              <a:t>So I picked out the most commonly played, </a:t>
-            </a:r>
-            <a:r>
-              <a:rPr lang="en-US" dirty="0" err="1">
-                <a:cs typeface="Calibri"/>
-              </a:rPr>
-              <a:t>optimised</a:t>
-            </a:r>
+              <a:t>Chess.com pairs you against similar rated opponents, so I looked at all “matched” games with players within the same rating quantile – fortunately, this was over half the dataset</a:t>
+            </a:r>
+          </a:p>
+          <a:p>
+            <a:endParaRPr lang="en-US" dirty="0">
+              <a:cs typeface="Calibri"/>
+            </a:endParaRPr>
+          </a:p>
+          <a:p>
             <a:r>
               <a:rPr lang="en-US" dirty="0">
                 <a:cs typeface="Calibri"/>
               </a:rPr>
-              <a:t> openings for each of the families in matched games</a:t>
+              <a:t>I checked whether the openings had any impact on the result. Null hypothesis was that ECO was independent from Result. Chi-Squared – the p was low, the H0 had to go!</a:t>
             </a:r>
           </a:p>
           <a:p>
@@ -1624,8 +1688,10 @@
           </a:p>
           <a:p>
             <a:r>
-              <a:rPr lang="en-US" dirty="0"/>
-              <a:t>At my level, A and C families tend to be best, so I will focus my efforts on learning and mastering the English Opening and the Centre Game</a:t>
+              <a:rPr lang="en-US" dirty="0">
+                <a:cs typeface="Calibri"/>
+              </a:rPr>
+              <a:t>So, to improve my odds of winning as White, I should work on my chess openings.</a:t>
             </a:r>
           </a:p>
         </p:txBody>
@@ -1647,7 +1713,7 @@
           <a:p>
             <a:fld id="{D5ADF348-2A86-4531-BD4E-BD8C0BBDAD47}" type="slidenum">
               <a:rPr lang="en-US" smtClean="0"/>
-              <a:t>7</a:t>
+              <a:t>6</a:t>
             </a:fld>
             <a:endParaRPr lang="en-US" dirty="0"/>
           </a:p>
@@ -1656,7 +1722,7 @@
     </p:spTree>
     <p:extLst>
       <p:ext uri="{BB962C8B-B14F-4D97-AF65-F5344CB8AC3E}">
-        <p14:creationId xmlns:p14="http://schemas.microsoft.com/office/powerpoint/2010/main" val="2390116807"/>
+        <p14:creationId xmlns:p14="http://schemas.microsoft.com/office/powerpoint/2010/main" val="1314237566"/>
       </p:ext>
     </p:extLst>
   </p:cSld>
@@ -1710,10 +1776,63 @@
           <a:bodyPr/>
           <a:lstStyle/>
           <a:p>
+            <a:r>
+              <a:rPr lang="en-US" dirty="0">
+                <a:cs typeface="Calibri"/>
+              </a:rPr>
+              <a:t>Openings are grouped into five broad families A - E with 100 variations within each</a:t>
+            </a:r>
+          </a:p>
+          <a:p>
             <a:endParaRPr lang="en-US" dirty="0">
               <a:cs typeface="Calibri"/>
             </a:endParaRPr>
           </a:p>
+          <a:p>
+            <a:r>
+              <a:rPr lang="en-US" dirty="0">
+                <a:cs typeface="Calibri"/>
+              </a:rPr>
+              <a:t>Different opening families performed best at different ratings</a:t>
+            </a:r>
+            <a:endParaRPr lang="en-US" dirty="0"/>
+          </a:p>
+          <a:p>
+            <a:endParaRPr lang="en-US" dirty="0">
+              <a:cs typeface="Calibri"/>
+            </a:endParaRPr>
+          </a:p>
+          <a:p>
+            <a:r>
+              <a:rPr lang="en-US" dirty="0">
+                <a:cs typeface="Calibri"/>
+              </a:rPr>
+              <a:t>Here are the most commonly played, </a:t>
+            </a:r>
+            <a:r>
+              <a:rPr lang="en-US" dirty="0" err="1">
+                <a:cs typeface="Calibri"/>
+              </a:rPr>
+              <a:t>optimised</a:t>
+            </a:r>
+            <a:r>
+              <a:rPr lang="en-US" dirty="0">
+                <a:cs typeface="Calibri"/>
+              </a:rPr>
+              <a:t> openings for each family in the “matched” games subset</a:t>
+            </a:r>
+          </a:p>
+          <a:p>
+            <a:endParaRPr lang="en-US" dirty="0">
+              <a:cs typeface="Calibri"/>
+            </a:endParaRPr>
+          </a:p>
+          <a:p>
+            <a:r>
+              <a:rPr lang="en-US" dirty="0"/>
+              <a:t>At my rating, A and C families tend to work best, so I will focus my efforts on mastering the English Opening and the Centre Game</a:t>
+            </a:r>
+          </a:p>
         </p:txBody>
       </p:sp>
       <p:sp>
@@ -1733,7 +1852,7 @@
           <a:p>
             <a:fld id="{D5ADF348-2A86-4531-BD4E-BD8C0BBDAD47}" type="slidenum">
               <a:rPr lang="en-US" smtClean="0"/>
-              <a:t>8</a:t>
+              <a:t>7</a:t>
             </a:fld>
             <a:endParaRPr lang="en-US" dirty="0"/>
           </a:p>
@@ -1742,7 +1861,7 @@
     </p:spTree>
     <p:extLst>
       <p:ext uri="{BB962C8B-B14F-4D97-AF65-F5344CB8AC3E}">
-        <p14:creationId xmlns:p14="http://schemas.microsoft.com/office/powerpoint/2010/main" val="2502598042"/>
+        <p14:creationId xmlns:p14="http://schemas.microsoft.com/office/powerpoint/2010/main" val="2390116807"/>
       </p:ext>
     </p:extLst>
   </p:cSld>
@@ -1796,76 +1915,10 @@
           <a:bodyPr/>
           <a:lstStyle/>
           <a:p>
-            <a:r>
-              <a:rPr lang="en-US" dirty="0">
-                <a:cs typeface="Calibri"/>
-              </a:rPr>
-              <a:t>But what if I want to level up? I should no longer consider “matched” games against the same level, but instead “stretch” games against players at the quantile above.</a:t>
-            </a:r>
-          </a:p>
-          <a:p>
             <a:endParaRPr lang="en-US" dirty="0">
               <a:cs typeface="Calibri"/>
             </a:endParaRPr>
           </a:p>
-          <a:p>
-            <a:r>
-              <a:rPr lang="en-US" dirty="0">
-                <a:cs typeface="Calibri"/>
-              </a:rPr>
-              <a:t>I did the same grouping and analysis of </a:t>
-            </a:r>
-            <a:r>
-              <a:rPr lang="en-US" dirty="0" err="1">
-                <a:cs typeface="Calibri"/>
-              </a:rPr>
-              <a:t>optimised</a:t>
-            </a:r>
-            <a:r>
-              <a:rPr lang="en-US" dirty="0">
-                <a:cs typeface="Calibri"/>
-              </a:rPr>
-              <a:t> openings, and it gave a different picture...</a:t>
-            </a:r>
-          </a:p>
-          <a:p>
-            <a:endParaRPr lang="en-US" dirty="0">
-              <a:cs typeface="Calibri"/>
-            </a:endParaRPr>
-          </a:p>
-          <a:p>
-            <a:r>
-              <a:rPr lang="en-US" dirty="0">
-                <a:cs typeface="Calibri"/>
-              </a:rPr>
-              <a:t>In this stretched dataset I pitched White with lower ELO against Black with higher ELO as White would still largely determine the opening.</a:t>
-            </a:r>
-          </a:p>
-          <a:p>
-            <a:endParaRPr lang="en-US" dirty="0">
-              <a:cs typeface="Calibri"/>
-            </a:endParaRPr>
-          </a:p>
-          <a:p>
-            <a:r>
-              <a:rPr lang="en-US" dirty="0">
-                <a:cs typeface="Calibri"/>
-              </a:rPr>
-              <a:t>BONUS points for anyone who </a:t>
-            </a:r>
-            <a:r>
-              <a:rPr lang="en-US" dirty="0" err="1">
-                <a:cs typeface="Calibri"/>
-              </a:rPr>
-              <a:t>recognises</a:t>
-            </a:r>
-            <a:r>
-              <a:rPr lang="en-US" dirty="0">
-                <a:cs typeface="Calibri"/>
-              </a:rPr>
-              <a:t> that player</a:t>
-            </a:r>
-          </a:p>
         </p:txBody>
       </p:sp>
       <p:sp>
@@ -1885,7 +1938,7 @@
           <a:p>
             <a:fld id="{D5ADF348-2A86-4531-BD4E-BD8C0BBDAD47}" type="slidenum">
               <a:rPr lang="en-US" smtClean="0"/>
-              <a:t>9</a:t>
+              <a:t>8</a:t>
             </a:fld>
             <a:endParaRPr lang="en-US" dirty="0"/>
           </a:p>
@@ -1894,7 +1947,7 @@
     </p:spTree>
     <p:extLst>
       <p:ext uri="{BB962C8B-B14F-4D97-AF65-F5344CB8AC3E}">
-        <p14:creationId xmlns:p14="http://schemas.microsoft.com/office/powerpoint/2010/main" val="1905938173"/>
+        <p14:creationId xmlns:p14="http://schemas.microsoft.com/office/powerpoint/2010/main" val="2502598042"/>
       </p:ext>
     </p:extLst>
   </p:cSld>
@@ -1952,7 +2005,7 @@
               <a:rPr lang="en-US" dirty="0">
                 <a:cs typeface="Calibri"/>
               </a:rPr>
-              <a:t>I cannot stress this enough, be prepared to lose. Even the best openings yielded average results between 0.4 and 0.45.</a:t>
+              <a:t>But what if I want to push myself?</a:t>
             </a:r>
           </a:p>
           <a:p>
@@ -1965,7 +2018,7 @@
               <a:rPr lang="en-US" dirty="0">
                 <a:cs typeface="Calibri"/>
               </a:rPr>
-              <a:t>Can anyone spot a pattern there? Eagle eyed will notice that we see the Centre Game again, which is good as we would have learnt that already...</a:t>
+              <a:t>I already looked at equally “matched” games between players in the same rating quantile (along the blue line), so then I sought inspiration from “stretch” games where White played Black from the rating quantile above (along the red line)</a:t>
             </a:r>
           </a:p>
           <a:p>
@@ -1978,7 +2031,7 @@
               <a:rPr lang="en-US" dirty="0">
                 <a:cs typeface="Calibri"/>
               </a:rPr>
-              <a:t>4 of the top 6 openings by average result for white are ALL Queen's Gambits variations</a:t>
+              <a:t>I did the same grouping and analysis of the best openings, and it gave a different picture...</a:t>
             </a:r>
           </a:p>
           <a:p>
@@ -1991,7 +2044,19 @@
               <a:rPr lang="en-US" dirty="0">
                 <a:cs typeface="Calibri"/>
               </a:rPr>
-              <a:t>Proving that it is indeed awesome!!!</a:t>
+              <a:t>Quick BONUS for anyone who </a:t>
+            </a:r>
+            <a:r>
+              <a:rPr lang="en-US" dirty="0" err="1">
+                <a:cs typeface="Calibri"/>
+              </a:rPr>
+              <a:t>recognises</a:t>
+            </a:r>
+            <a:r>
+              <a:rPr lang="en-US" dirty="0">
+                <a:cs typeface="Calibri"/>
+              </a:rPr>
+              <a:t> that player – Magnus Carlsen GOAT</a:t>
             </a:r>
           </a:p>
         </p:txBody>
@@ -2013,7 +2078,7 @@
           <a:p>
             <a:fld id="{D5ADF348-2A86-4531-BD4E-BD8C0BBDAD47}" type="slidenum">
               <a:rPr lang="en-US" smtClean="0"/>
-              <a:t>10</a:t>
+              <a:t>9</a:t>
             </a:fld>
             <a:endParaRPr lang="en-US" dirty="0"/>
           </a:p>
@@ -2022,7 +2087,7 @@
     </p:spTree>
     <p:extLst>
       <p:ext uri="{BB962C8B-B14F-4D97-AF65-F5344CB8AC3E}">
-        <p14:creationId xmlns:p14="http://schemas.microsoft.com/office/powerpoint/2010/main" val="2868435542"/>
+        <p14:creationId xmlns:p14="http://schemas.microsoft.com/office/powerpoint/2010/main" val="1905938173"/>
       </p:ext>
     </p:extLst>
   </p:cSld>
@@ -7252,17 +7317,13 @@
         </p:spPr>
         <p:txBody>
           <a:bodyPr>
-            <a:normAutofit fontScale="90000"/>
+            <a:normAutofit/>
           </a:bodyPr>
           <a:lstStyle/>
           <a:p>
             <a:r>
-              <a:rPr lang="en-US" dirty="0" err="1"/>
-              <a:t>HOw</a:t>
-            </a:r>
-            <a:r>
               <a:rPr lang="en-US" dirty="0"/>
-              <a:t> to beat better players</a:t>
+              <a:t>The magic formula</a:t>
             </a:r>
           </a:p>
         </p:txBody>
@@ -7317,14 +7378,14 @@
           <p:nvPr>
             <p:extLst>
               <p:ext uri="{D42A27DB-BD31-4B8C-83A1-F6EECF244321}">
-                <p14:modId xmlns:p14="http://schemas.microsoft.com/office/powerpoint/2010/main" val="2219069622"/>
+                <p14:modId xmlns:p14="http://schemas.microsoft.com/office/powerpoint/2010/main" val="4021849615"/>
               </p:ext>
             </p:extLst>
           </p:nvPr>
         </p:nvGraphicFramePr>
         <p:xfrm>
-          <a:off x="955524" y="2588380"/>
-          <a:ext cx="4438951" cy="3285128"/>
+          <a:off x="601579" y="2588380"/>
+          <a:ext cx="6021520" cy="3455904"/>
         </p:xfrm>
         <a:graphic>
           <a:graphicData uri="http://schemas.openxmlformats.org/drawingml/2006/table">
@@ -7333,14 +7394,14 @@
                 <a:tableStyleId>{5C22544A-7EE6-4342-B048-85BDC9FD1C3A}</a:tableStyleId>
               </a:tblPr>
               <a:tblGrid>
-                <a:gridCol w="761999">
+                <a:gridCol w="2165684">
                   <a:extLst>
                     <a:ext uri="{9D8B030D-6E8A-4147-A177-3AD203B41FA5}">
                       <a16:colId xmlns:a16="http://schemas.microsoft.com/office/drawing/2014/main" val="919272252"/>
                     </a:ext>
                   </a:extLst>
                 </a:gridCol>
-                <a:gridCol w="3676952">
+                <a:gridCol w="3855836">
                   <a:extLst>
                     <a:ext uri="{9D8B030D-6E8A-4147-A177-3AD203B41FA5}">
                       <a16:colId xmlns:a16="http://schemas.microsoft.com/office/drawing/2014/main" val="1433989058"/>
@@ -7356,7 +7417,13 @@
                     <a:p>
                       <a:r>
                         <a:rPr lang="en-US" dirty="0"/>
-                        <a:t>ECO</a:t>
+                        <a:t>Opening Moves</a:t>
+                      </a:r>
+                    </a:p>
+                    <a:p>
+                      <a:r>
+                        <a:rPr lang="en-US" dirty="0"/>
+                        <a:t>(ECO)</a:t>
                       </a:r>
                     </a:p>
                   </a:txBody>
@@ -7408,7 +7475,7 @@
                         </a:rPr>
                         <a:t>C46 </a:t>
                       </a:r>
-                      <a:endParaRPr lang="en-US"/>
+                      <a:endParaRPr lang="en-US" dirty="0"/>
                     </a:p>
                   </a:txBody>
                   <a:tcPr/>
@@ -7436,7 +7503,7 @@
                             <a:srgbClr val="000000"/>
                           </a:solidFill>
                         </a:rPr>
-                        <a:t>Three knights game</a:t>
+                        <a:t>Three Knights’ game</a:t>
                       </a:r>
                       <a:endParaRPr lang="en-US" dirty="0"/>
                     </a:p>
@@ -7487,7 +7554,7 @@
                           </a:solidFill>
                           <a:latin typeface="Franklin Gothic Medium"/>
                         </a:rPr>
-                        <a:t>Centre game</a:t>
+                        <a:t>Centre Game</a:t>
                       </a:r>
                       <a:endParaRPr lang="en-US" dirty="0"/>
                     </a:p>
@@ -7518,7 +7585,7 @@
                         </a:rPr>
                         <a:t>D07 </a:t>
                       </a:r>
-                      <a:endParaRPr lang="en-US"/>
+                      <a:endParaRPr lang="en-US" dirty="0"/>
                     </a:p>
                   </a:txBody>
                   <a:tcPr/>
@@ -7538,7 +7605,7 @@
                           </a:solidFill>
                           <a:latin typeface="Franklin Gothic Medium"/>
                         </a:rPr>
-                        <a:t>Queen's Gambit Declined, </a:t>
+                        <a:t>Queen's Gambit (Declined) </a:t>
                       </a:r>
                       <a:r>
                         <a:rPr lang="en-US" sz="1800" b="0" i="0" u="none" strike="noStrike" noProof="0" dirty="0" err="1">
@@ -7598,7 +7665,16 @@
                           </a:solidFill>
                           <a:latin typeface="Franklin Gothic Medium"/>
                         </a:rPr>
-                        <a:t>Queen's Gambit Declined</a:t>
+                        <a:t>Queen's Gambit </a:t>
+                      </a:r>
+                      <a:r>
+                        <a:rPr lang="en-US" sz="1800" b="0" i="0" u="none" strike="noStrike" noProof="0" dirty="0">
+                          <a:solidFill>
+                            <a:srgbClr val="000000"/>
+                          </a:solidFill>
+                          <a:latin typeface="+mn-lt"/>
+                        </a:rPr>
+                        <a:t>(Declined)</a:t>
                       </a:r>
                       <a:endParaRPr lang="en-US" dirty="0"/>
                     </a:p>
@@ -7649,7 +7725,25 @@
                           </a:solidFill>
                           <a:latin typeface="Franklin Gothic Medium"/>
                         </a:rPr>
-                        <a:t>Queen's Gambit Declined Slav</a:t>
+                        <a:t>Queen's Gambit </a:t>
+                      </a:r>
+                      <a:r>
+                        <a:rPr lang="en-US" sz="1800" b="0" i="0" u="none" strike="noStrike" noProof="0" dirty="0">
+                          <a:solidFill>
+                            <a:srgbClr val="000000"/>
+                          </a:solidFill>
+                          <a:latin typeface="+mn-lt"/>
+                        </a:rPr>
+                        <a:t>(Declined) </a:t>
+                      </a:r>
+                      <a:r>
+                        <a:rPr lang="en-US" sz="1800" b="0" i="0" u="none" strike="noStrike" noProof="0" dirty="0">
+                          <a:solidFill>
+                            <a:srgbClr val="000000"/>
+                          </a:solidFill>
+                          <a:latin typeface="Franklin Gothic Medium"/>
+                        </a:rPr>
+                        <a:t>Slav</a:t>
                       </a:r>
                       <a:endParaRPr lang="en-US" dirty="0"/>
                     </a:p>
@@ -8742,8 +8836,8 @@
         </p:nvSpPr>
         <p:spPr>
           <a:xfrm>
-            <a:off x="960438" y="317499"/>
-            <a:ext cx="4500737" cy="2095501"/>
+            <a:off x="536448" y="317499"/>
+            <a:ext cx="5279136" cy="2095501"/>
           </a:xfrm>
         </p:spPr>
         <p:txBody>
@@ -8753,7 +8847,7 @@
           <a:lstStyle/>
           <a:p>
             <a:r>
-              <a:rPr lang="en-US" sz="5600" kern="1200" cap="all" spc="120" baseline="0" dirty="0">
+              <a:rPr lang="en-US" sz="6600" kern="1200" cap="all" spc="120" baseline="0" dirty="0">
                 <a:solidFill>
                   <a:schemeClr val="tx1"/>
                 </a:solidFill>
@@ -9191,7 +9285,7 @@
           <a:p>
             <a:r>
               <a:rPr lang="en-US" dirty="0"/>
-              <a:t>Chess data .</a:t>
+              <a:t>Chess data AS .</a:t>
             </a:r>
             <a:r>
               <a:rPr lang="en-US" dirty="0" err="1"/>
@@ -9257,8 +9351,8 @@
         </p:nvSpPr>
         <p:spPr>
           <a:xfrm>
-            <a:off x="6097474" y="2587752"/>
-            <a:ext cx="5131358" cy="3593592"/>
+            <a:off x="5340096" y="2587878"/>
+            <a:ext cx="6131052" cy="3593592"/>
           </a:xfrm>
         </p:spPr>
         <p:txBody>
@@ -9269,37 +9363,65 @@
           <a:p>
             <a:r>
               <a:rPr lang="en-US" dirty="0"/>
-              <a:t>Format – Standard, Blitz, Lightning</a:t>
+              <a:t>Event – time format</a:t>
             </a:r>
           </a:p>
           <a:p>
             <a:r>
               <a:rPr lang="en-US" dirty="0"/>
-              <a:t>Name of players</a:t>
-            </a:r>
-          </a:p>
-          <a:p>
+              <a:t>White / Black – player names</a:t>
+            </a:r>
+          </a:p>
+          <a:p>
+            <a:r>
+              <a:rPr lang="en-US" dirty="0">
+                <a:solidFill>
+                  <a:srgbClr val="FF0000"/>
+                </a:solidFill>
+              </a:rPr>
+              <a:t>ELO – </a:t>
+            </a:r>
+            <a:r>
+              <a:rPr lang="en-US" u="sng" dirty="0">
+                <a:solidFill>
+                  <a:srgbClr val="FF0000"/>
+                </a:solidFill>
+              </a:rPr>
+              <a:t>rating of each player</a:t>
+            </a:r>
+          </a:p>
+          <a:p>
+            <a:r>
+              <a:rPr lang="en-US" dirty="0" err="1"/>
+              <a:t>PlyCount</a:t>
+            </a:r>
             <a:r>
               <a:rPr lang="en-US" dirty="0"/>
-              <a:t>ELO (rating) of both players</a:t>
+              <a:t> – number of moves played</a:t>
+            </a:r>
+          </a:p>
+          <a:p>
+            <a:r>
+              <a:rPr lang="en-US" dirty="0">
+                <a:solidFill>
+                  <a:srgbClr val="0070C0"/>
+                </a:solidFill>
+              </a:rPr>
+              <a:t>ECO – </a:t>
+            </a:r>
+            <a:r>
+              <a:rPr lang="en-US" u="sng" dirty="0">
+                <a:solidFill>
+                  <a:srgbClr val="0070C0"/>
+                </a:solidFill>
+              </a:rPr>
+              <a:t>opening move sequence</a:t>
             </a:r>
           </a:p>
           <a:p>
             <a:r>
               <a:rPr lang="en-US" dirty="0"/>
-              <a:t>Number of moves played</a:t>
-            </a:r>
-          </a:p>
-          <a:p>
-            <a:r>
-              <a:rPr lang="en-US" dirty="0"/>
-              <a:t>ECO (opening) code</a:t>
-            </a:r>
-          </a:p>
-          <a:p>
-            <a:r>
-              <a:rPr lang="en-US" dirty="0"/>
-              <a:t>Result – 1-0 White, ½-½, 0-1 Black</a:t>
+              <a:t>Result – 1-0 White, ½-½ Draw, 0-1 Black</a:t>
             </a:r>
           </a:p>
           <a:p>
@@ -9309,7 +9431,7 @@
             </a:r>
             <a:r>
               <a:rPr lang="en-US" dirty="0"/>
-              <a:t> (sequence)</a:t>
+              <a:t> – sequence of moves played</a:t>
             </a:r>
           </a:p>
         </p:txBody>
@@ -9354,382 +9476,6 @@
   <p:clrMapOvr>
     <a:masterClrMapping/>
   </p:clrMapOvr>
-  <p:timing>
-    <p:tnLst>
-      <p:par>
-        <p:cTn id="1" dur="indefinite" restart="never" nodeType="tmRoot">
-          <p:childTnLst>
-            <p:seq concurrent="1" nextAc="seek">
-              <p:cTn id="2" dur="indefinite" nodeType="mainSeq">
-                <p:childTnLst>
-                  <p:par>
-                    <p:cTn id="3" fill="hold">
-                      <p:stCondLst>
-                        <p:cond delay="indefinite"/>
-                      </p:stCondLst>
-                      <p:childTnLst>
-                        <p:par>
-                          <p:cTn id="4" fill="hold">
-                            <p:stCondLst>
-                              <p:cond delay="0"/>
-                            </p:stCondLst>
-                            <p:childTnLst>
-                              <p:par>
-                                <p:cTn id="5" presetID="1" presetClass="entr" presetSubtype="0" fill="hold" grpId="0" nodeType="clickEffect">
-                                  <p:stCondLst>
-                                    <p:cond delay="0"/>
-                                  </p:stCondLst>
-                                  <p:childTnLst>
-                                    <p:set>
-                                      <p:cBhvr>
-                                        <p:cTn id="6" dur="1" fill="hold">
-                                          <p:stCondLst>
-                                            <p:cond delay="0"/>
-                                          </p:stCondLst>
-                                        </p:cTn>
-                                        <p:tgtEl>
-                                          <p:spTgt spid="5">
-                                            <p:txEl>
-                                              <p:pRg st="0" end="0"/>
-                                            </p:txEl>
-                                          </p:spTgt>
-                                        </p:tgtEl>
-                                        <p:attrNameLst>
-                                          <p:attrName>style.visibility</p:attrName>
-                                        </p:attrNameLst>
-                                      </p:cBhvr>
-                                      <p:to>
-                                        <p:strVal val="visible"/>
-                                      </p:to>
-                                    </p:set>
-                                  </p:childTnLst>
-                                </p:cTn>
-                              </p:par>
-                            </p:childTnLst>
-                          </p:cTn>
-                        </p:par>
-                      </p:childTnLst>
-                    </p:cTn>
-                  </p:par>
-                  <p:par>
-                    <p:cTn id="7" fill="hold">
-                      <p:stCondLst>
-                        <p:cond delay="indefinite"/>
-                      </p:stCondLst>
-                      <p:childTnLst>
-                        <p:par>
-                          <p:cTn id="8" fill="hold">
-                            <p:stCondLst>
-                              <p:cond delay="0"/>
-                            </p:stCondLst>
-                            <p:childTnLst>
-                              <p:par>
-                                <p:cTn id="9" presetID="1" presetClass="entr" presetSubtype="0" fill="hold" grpId="0" nodeType="clickEffect">
-                                  <p:stCondLst>
-                                    <p:cond delay="0"/>
-                                  </p:stCondLst>
-                                  <p:childTnLst>
-                                    <p:set>
-                                      <p:cBhvr>
-                                        <p:cTn id="10" dur="1" fill="hold">
-                                          <p:stCondLst>
-                                            <p:cond delay="0"/>
-                                          </p:stCondLst>
-                                        </p:cTn>
-                                        <p:tgtEl>
-                                          <p:spTgt spid="5">
-                                            <p:txEl>
-                                              <p:pRg st="1" end="1"/>
-                                            </p:txEl>
-                                          </p:spTgt>
-                                        </p:tgtEl>
-                                        <p:attrNameLst>
-                                          <p:attrName>style.visibility</p:attrName>
-                                        </p:attrNameLst>
-                                      </p:cBhvr>
-                                      <p:to>
-                                        <p:strVal val="visible"/>
-                                      </p:to>
-                                    </p:set>
-                                  </p:childTnLst>
-                                </p:cTn>
-                              </p:par>
-                            </p:childTnLst>
-                          </p:cTn>
-                        </p:par>
-                      </p:childTnLst>
-                    </p:cTn>
-                  </p:par>
-                  <p:par>
-                    <p:cTn id="11" fill="hold">
-                      <p:stCondLst>
-                        <p:cond delay="indefinite"/>
-                      </p:stCondLst>
-                      <p:childTnLst>
-                        <p:par>
-                          <p:cTn id="12" fill="hold">
-                            <p:stCondLst>
-                              <p:cond delay="0"/>
-                            </p:stCondLst>
-                            <p:childTnLst>
-                              <p:par>
-                                <p:cTn id="13" presetID="1" presetClass="entr" presetSubtype="0" fill="hold" grpId="0" nodeType="clickEffect">
-                                  <p:stCondLst>
-                                    <p:cond delay="0"/>
-                                  </p:stCondLst>
-                                  <p:childTnLst>
-                                    <p:set>
-                                      <p:cBhvr>
-                                        <p:cTn id="14" dur="1" fill="hold">
-                                          <p:stCondLst>
-                                            <p:cond delay="0"/>
-                                          </p:stCondLst>
-                                        </p:cTn>
-                                        <p:tgtEl>
-                                          <p:spTgt spid="5">
-                                            <p:txEl>
-                                              <p:pRg st="2" end="2"/>
-                                            </p:txEl>
-                                          </p:spTgt>
-                                        </p:tgtEl>
-                                        <p:attrNameLst>
-                                          <p:attrName>style.visibility</p:attrName>
-                                        </p:attrNameLst>
-                                      </p:cBhvr>
-                                      <p:to>
-                                        <p:strVal val="visible"/>
-                                      </p:to>
-                                    </p:set>
-                                  </p:childTnLst>
-                                </p:cTn>
-                              </p:par>
-                            </p:childTnLst>
-                          </p:cTn>
-                        </p:par>
-                      </p:childTnLst>
-                    </p:cTn>
-                  </p:par>
-                  <p:par>
-                    <p:cTn id="15" fill="hold">
-                      <p:stCondLst>
-                        <p:cond delay="indefinite"/>
-                      </p:stCondLst>
-                      <p:childTnLst>
-                        <p:par>
-                          <p:cTn id="16" fill="hold">
-                            <p:stCondLst>
-                              <p:cond delay="0"/>
-                            </p:stCondLst>
-                            <p:childTnLst>
-                              <p:par>
-                                <p:cTn id="17" presetID="1" presetClass="entr" presetSubtype="0" fill="hold" grpId="0" nodeType="clickEffect">
-                                  <p:stCondLst>
-                                    <p:cond delay="0"/>
-                                  </p:stCondLst>
-                                  <p:childTnLst>
-                                    <p:set>
-                                      <p:cBhvr>
-                                        <p:cTn id="18" dur="1" fill="hold">
-                                          <p:stCondLst>
-                                            <p:cond delay="0"/>
-                                          </p:stCondLst>
-                                        </p:cTn>
-                                        <p:tgtEl>
-                                          <p:spTgt spid="5">
-                                            <p:txEl>
-                                              <p:pRg st="3" end="3"/>
-                                            </p:txEl>
-                                          </p:spTgt>
-                                        </p:tgtEl>
-                                        <p:attrNameLst>
-                                          <p:attrName>style.visibility</p:attrName>
-                                        </p:attrNameLst>
-                                      </p:cBhvr>
-                                      <p:to>
-                                        <p:strVal val="visible"/>
-                                      </p:to>
-                                    </p:set>
-                                  </p:childTnLst>
-                                </p:cTn>
-                              </p:par>
-                            </p:childTnLst>
-                          </p:cTn>
-                        </p:par>
-                      </p:childTnLst>
-                    </p:cTn>
-                  </p:par>
-                  <p:par>
-                    <p:cTn id="19" fill="hold">
-                      <p:stCondLst>
-                        <p:cond delay="indefinite"/>
-                      </p:stCondLst>
-                      <p:childTnLst>
-                        <p:par>
-                          <p:cTn id="20" fill="hold">
-                            <p:stCondLst>
-                              <p:cond delay="0"/>
-                            </p:stCondLst>
-                            <p:childTnLst>
-                              <p:par>
-                                <p:cTn id="21" presetID="1" presetClass="entr" presetSubtype="0" fill="hold" grpId="0" nodeType="clickEffect">
-                                  <p:stCondLst>
-                                    <p:cond delay="0"/>
-                                  </p:stCondLst>
-                                  <p:childTnLst>
-                                    <p:set>
-                                      <p:cBhvr>
-                                        <p:cTn id="22" dur="1" fill="hold">
-                                          <p:stCondLst>
-                                            <p:cond delay="0"/>
-                                          </p:stCondLst>
-                                        </p:cTn>
-                                        <p:tgtEl>
-                                          <p:spTgt spid="5">
-                                            <p:txEl>
-                                              <p:pRg st="4" end="4"/>
-                                            </p:txEl>
-                                          </p:spTgt>
-                                        </p:tgtEl>
-                                        <p:attrNameLst>
-                                          <p:attrName>style.visibility</p:attrName>
-                                        </p:attrNameLst>
-                                      </p:cBhvr>
-                                      <p:to>
-                                        <p:strVal val="visible"/>
-                                      </p:to>
-                                    </p:set>
-                                  </p:childTnLst>
-                                </p:cTn>
-                              </p:par>
-                            </p:childTnLst>
-                          </p:cTn>
-                        </p:par>
-                      </p:childTnLst>
-                    </p:cTn>
-                  </p:par>
-                  <p:par>
-                    <p:cTn id="23" fill="hold">
-                      <p:stCondLst>
-                        <p:cond delay="indefinite"/>
-                      </p:stCondLst>
-                      <p:childTnLst>
-                        <p:par>
-                          <p:cTn id="24" fill="hold">
-                            <p:stCondLst>
-                              <p:cond delay="0"/>
-                            </p:stCondLst>
-                            <p:childTnLst>
-                              <p:par>
-                                <p:cTn id="25" presetID="1" presetClass="entr" presetSubtype="0" fill="hold" grpId="0" nodeType="clickEffect">
-                                  <p:stCondLst>
-                                    <p:cond delay="0"/>
-                                  </p:stCondLst>
-                                  <p:childTnLst>
-                                    <p:set>
-                                      <p:cBhvr>
-                                        <p:cTn id="26" dur="1" fill="hold">
-                                          <p:stCondLst>
-                                            <p:cond delay="0"/>
-                                          </p:stCondLst>
-                                        </p:cTn>
-                                        <p:tgtEl>
-                                          <p:spTgt spid="5">
-                                            <p:txEl>
-                                              <p:pRg st="5" end="5"/>
-                                            </p:txEl>
-                                          </p:spTgt>
-                                        </p:tgtEl>
-                                        <p:attrNameLst>
-                                          <p:attrName>style.visibility</p:attrName>
-                                        </p:attrNameLst>
-                                      </p:cBhvr>
-                                      <p:to>
-                                        <p:strVal val="visible"/>
-                                      </p:to>
-                                    </p:set>
-                                  </p:childTnLst>
-                                </p:cTn>
-                              </p:par>
-                            </p:childTnLst>
-                          </p:cTn>
-                        </p:par>
-                      </p:childTnLst>
-                    </p:cTn>
-                  </p:par>
-                  <p:par>
-                    <p:cTn id="27" fill="hold">
-                      <p:stCondLst>
-                        <p:cond delay="indefinite"/>
-                      </p:stCondLst>
-                      <p:childTnLst>
-                        <p:par>
-                          <p:cTn id="28" fill="hold">
-                            <p:stCondLst>
-                              <p:cond delay="0"/>
-                            </p:stCondLst>
-                            <p:childTnLst>
-                              <p:par>
-                                <p:cTn id="29" presetID="1" presetClass="entr" presetSubtype="0" fill="hold" grpId="0" nodeType="clickEffect">
-                                  <p:stCondLst>
-                                    <p:cond delay="0"/>
-                                  </p:stCondLst>
-                                  <p:childTnLst>
-                                    <p:set>
-                                      <p:cBhvr>
-                                        <p:cTn id="30" dur="1" fill="hold">
-                                          <p:stCondLst>
-                                            <p:cond delay="0"/>
-                                          </p:stCondLst>
-                                        </p:cTn>
-                                        <p:tgtEl>
-                                          <p:spTgt spid="5">
-                                            <p:txEl>
-                                              <p:pRg st="6" end="6"/>
-                                            </p:txEl>
-                                          </p:spTgt>
-                                        </p:tgtEl>
-                                        <p:attrNameLst>
-                                          <p:attrName>style.visibility</p:attrName>
-                                        </p:attrNameLst>
-                                      </p:cBhvr>
-                                      <p:to>
-                                        <p:strVal val="visible"/>
-                                      </p:to>
-                                    </p:set>
-                                  </p:childTnLst>
-                                </p:cTn>
-                              </p:par>
-                            </p:childTnLst>
-                          </p:cTn>
-                        </p:par>
-                      </p:childTnLst>
-                    </p:cTn>
-                  </p:par>
-                </p:childTnLst>
-              </p:cTn>
-              <p:prevCondLst>
-                <p:cond evt="onPrev" delay="0">
-                  <p:tgtEl>
-                    <p:sldTgt/>
-                  </p:tgtEl>
-                </p:cond>
-              </p:prevCondLst>
-              <p:nextCondLst>
-                <p:cond evt="onNext" delay="0">
-                  <p:tgtEl>
-                    <p:sldTgt/>
-                  </p:tgtEl>
-                </p:cond>
-              </p:nextCondLst>
-            </p:seq>
-          </p:childTnLst>
-        </p:cTn>
-      </p:par>
-    </p:tnLst>
-    <p:bldLst>
-      <p:bldP spid="5" grpId="0" build="p"/>
-    </p:bldLst>
-  </p:timing>
 </p:sld>
 </file>
 
@@ -9900,12 +9646,14 @@
           </a:xfrm>
         </p:spPr>
         <p:txBody>
-          <a:bodyPr/>
+          <a:bodyPr>
+            <a:normAutofit/>
+          </a:bodyPr>
           <a:lstStyle/>
           <a:p>
             <a:r>
               <a:rPr lang="en-US" dirty="0"/>
-              <a:t>Wrangling 2 ½ days in...</a:t>
+              <a:t>Data Wrangling 2 days in</a:t>
             </a:r>
           </a:p>
         </p:txBody>
@@ -10027,12 +9775,14 @@
           </a:xfrm>
         </p:spPr>
         <p:txBody>
-          <a:bodyPr/>
+          <a:bodyPr>
+            <a:normAutofit fontScale="90000"/>
+          </a:bodyPr>
           <a:lstStyle/>
           <a:p>
             <a:r>
               <a:rPr lang="en-US" dirty="0"/>
-              <a:t>Where Next?</a:t>
+              <a:t>Day 3: along the Dunning-Kruger Effect curve…</a:t>
             </a:r>
           </a:p>
         </p:txBody>
@@ -10091,13 +9841,13 @@
         <p:spPr/>
         <p:txBody>
           <a:bodyPr vert="horz" lIns="91440" tIns="45720" rIns="91440" bIns="45720" rtlCol="0" anchor="t">
-            <a:normAutofit fontScale="92500" lnSpcReduction="10000"/>
+            <a:normAutofit fontScale="85000" lnSpcReduction="10000"/>
           </a:bodyPr>
           <a:lstStyle/>
           <a:p>
             <a:r>
               <a:rPr lang="en-US" dirty="0"/>
-              <a:t>Classification models – White / Draw / Black – precision 0.63</a:t>
+              <a:t>1) Classification models – White / Draw / Black – precision 0.63</a:t>
             </a:r>
           </a:p>
           <a:p>
@@ -10106,7 +9856,7 @@
           <a:p>
             <a:r>
               <a:rPr lang="en-US" dirty="0"/>
-              <a:t>Consider only "matched" games</a:t>
+              <a:t>2) Considered "matched" games for useful tips on how to improve my game</a:t>
             </a:r>
           </a:p>
           <a:p>
@@ -10115,16 +9865,19 @@
           <a:p>
             <a:r>
               <a:rPr lang="en-US" dirty="0"/>
-              <a:t>Dependence of result on opening – Chi2</a:t>
-            </a:r>
-          </a:p>
-          <a:p>
-            <a:endParaRPr lang="en-US" dirty="0"/>
+              <a:t>3) Tested dependence of Result on Opening Sequence (ECO) – Chi2, p was low!</a:t>
+            </a:r>
           </a:p>
           <a:p>
             <a:r>
               <a:rPr lang="en-US" dirty="0"/>
-              <a:t>---&gt; work on openings to improve my game</a:t>
+              <a:t>---&gt; Result depends on Opening Sequence lead by White</a:t>
+            </a:r>
+          </a:p>
+          <a:p>
+            <a:r>
+              <a:rPr lang="en-US" dirty="0"/>
+              <a:t>---&gt; I should study up on Openings to improve my game, but which?</a:t>
             </a:r>
           </a:p>
         </p:txBody>
@@ -10322,6 +10075,55 @@
                                         <p:tgtEl>
                                           <p:spTgt spid="5">
                                             <p:txEl>
+                                              <p:pRg st="5" end="5"/>
+                                            </p:txEl>
+                                          </p:spTgt>
+                                        </p:tgtEl>
+                                        <p:attrNameLst>
+                                          <p:attrName>style.visibility</p:attrName>
+                                        </p:attrNameLst>
+                                      </p:cBhvr>
+                                      <p:to>
+                                        <p:strVal val="visible"/>
+                                      </p:to>
+                                    </p:set>
+                                  </p:childTnLst>
+                                </p:cTn>
+                              </p:par>
+                            </p:childTnLst>
+                          </p:cTn>
+                        </p:par>
+                      </p:childTnLst>
+                    </p:cTn>
+                  </p:par>
+                  <p:par>
+                    <p:cTn id="19" fill="hold">
+                      <p:stCondLst>
+                        <p:cond delay="indefinite"/>
+                      </p:stCondLst>
+                      <p:childTnLst>
+                        <p:par>
+                          <p:cTn id="20" fill="hold">
+                            <p:stCondLst>
+                              <p:cond delay="0"/>
+                            </p:stCondLst>
+                            <p:childTnLst>
+                              <p:par>
+                                <p:cTn id="21" presetID="1" presetClass="entr" presetSubtype="0" fill="hold" grpId="0" nodeType="clickEffect">
+                                  <p:stCondLst>
+                                    <p:cond delay="0"/>
+                                  </p:stCondLst>
+                                  <p:childTnLst>
+                                    <p:set>
+                                      <p:cBhvr>
+                                        <p:cTn id="22" dur="1" fill="hold">
+                                          <p:stCondLst>
+                                            <p:cond delay="0"/>
+                                          </p:stCondLst>
+                                        </p:cTn>
+                                        <p:tgtEl>
+                                          <p:spTgt spid="5">
+                                            <p:txEl>
                                               <p:pRg st="6" end="6"/>
                                             </p:txEl>
                                           </p:spTgt>
@@ -10416,7 +10218,7 @@
           <a:p>
             <a:r>
               <a:rPr lang="en-US" dirty="0"/>
-              <a:t>Optimal openings</a:t>
+              <a:t>Openings Matter</a:t>
             </a:r>
           </a:p>
         </p:txBody>
@@ -10471,14 +10273,14 @@
           <p:nvPr>
             <p:extLst>
               <p:ext uri="{D42A27DB-BD31-4B8C-83A1-F6EECF244321}">
-                <p14:modId xmlns:p14="http://schemas.microsoft.com/office/powerpoint/2010/main" val="3314106077"/>
+                <p14:modId xmlns:p14="http://schemas.microsoft.com/office/powerpoint/2010/main" val="1574337301"/>
               </p:ext>
             </p:extLst>
           </p:nvPr>
         </p:nvGraphicFramePr>
         <p:xfrm>
-          <a:off x="4499428" y="2793999"/>
-          <a:ext cx="6180664" cy="3535240"/>
+          <a:off x="4230624" y="2793999"/>
+          <a:ext cx="7167928" cy="3535240"/>
         </p:xfrm>
         <a:graphic>
           <a:graphicData uri="http://schemas.openxmlformats.org/drawingml/2006/table">
@@ -10487,21 +10289,21 @@
                 <a:tableStyleId>{5C22544A-7EE6-4342-B048-85BDC9FD1C3A}</a:tableStyleId>
               </a:tblPr>
               <a:tblGrid>
-                <a:gridCol w="761999">
+                <a:gridCol w="1809229">
                   <a:extLst>
                     <a:ext uri="{9D8B030D-6E8A-4147-A177-3AD203B41FA5}">
                       <a16:colId xmlns:a16="http://schemas.microsoft.com/office/drawing/2014/main" val="919272252"/>
                     </a:ext>
                   </a:extLst>
                 </a:gridCol>
-                <a:gridCol w="2914951">
+                <a:gridCol w="3006611">
                   <a:extLst>
                     <a:ext uri="{9D8B030D-6E8A-4147-A177-3AD203B41FA5}">
                       <a16:colId xmlns:a16="http://schemas.microsoft.com/office/drawing/2014/main" val="1433989058"/>
                     </a:ext>
                   </a:extLst>
                 </a:gridCol>
-                <a:gridCol w="2503714">
+                <a:gridCol w="2352088">
                   <a:extLst>
                     <a:ext uri="{9D8B030D-6E8A-4147-A177-3AD203B41FA5}">
                       <a16:colId xmlns:a16="http://schemas.microsoft.com/office/drawing/2014/main" val="8836725"/>
@@ -10517,7 +10319,13 @@
                     <a:p>
                       <a:r>
                         <a:rPr lang="en-US" dirty="0"/>
-                        <a:t>ECO</a:t>
+                        <a:t>Opening Moves</a:t>
+                      </a:r>
+                    </a:p>
+                    <a:p>
+                      <a:r>
+                        <a:rPr lang="en-US" dirty="0"/>
+                        <a:t>(ECO)</a:t>
                       </a:r>
                     </a:p>
                   </a:txBody>
@@ -10859,7 +10667,7 @@
                           </a:solidFill>
                           <a:latin typeface="Franklin Gothic Medium"/>
                         </a:rPr>
-                        <a:t>Queen's Gambit Accepted</a:t>
+                        <a:t>Queen's Gambit (Accepted)</a:t>
                       </a:r>
                       <a:endParaRPr lang="en-US" dirty="0"/>
                     </a:p>
@@ -11033,13 +10841,13 @@
         </p:spPr>
         <p:txBody>
           <a:bodyPr>
-            <a:normAutofit fontScale="90000"/>
+            <a:normAutofit/>
           </a:bodyPr>
           <a:lstStyle/>
           <a:p>
             <a:r>
               <a:rPr lang="en-US" dirty="0"/>
-              <a:t>Openings for me to master</a:t>
+              <a:t>How I can win more often</a:t>
             </a:r>
           </a:p>
         </p:txBody>
@@ -11448,7 +11256,15 @@
           <a:p>
             <a:r>
               <a:rPr lang="en-US" dirty="0"/>
-              <a:t>levelling up</a:t>
+              <a:t>But How do </a:t>
+            </a:r>
+            <a:r>
+              <a:rPr lang="en-US" dirty="0" err="1"/>
+              <a:t>i</a:t>
+            </a:r>
+            <a:r>
+              <a:rPr lang="en-US" dirty="0"/>
+              <a:t> level up?</a:t>
             </a:r>
           </a:p>
         </p:txBody>
@@ -11670,6 +11486,33 @@
                                     <p:set>
                                       <p:cBhvr>
                                         <p:cTn id="6" dur="1" fill="hold">
+                                          <p:stCondLst>
+                                            <p:cond delay="0"/>
+                                          </p:stCondLst>
+                                        </p:cTn>
+                                        <p:tgtEl>
+                                          <p:spTgt spid="6"/>
+                                        </p:tgtEl>
+                                        <p:attrNameLst>
+                                          <p:attrName>style.visibility</p:attrName>
+                                        </p:attrNameLst>
+                                      </p:cBhvr>
+                                      <p:to>
+                                        <p:strVal val="visible"/>
+                                      </p:to>
+                                    </p:set>
+                                  </p:childTnLst>
+                                </p:cTn>
+                              </p:par>
+                              <p:par>
+                                <p:cTn id="7" presetID="1" presetClass="entr" presetSubtype="0" fill="hold" nodeType="withEffect">
+                                  <p:stCondLst>
+                                    <p:cond delay="0"/>
+                                  </p:stCondLst>
+                                  <p:childTnLst>
+                                    <p:set>
+                                      <p:cBhvr>
+                                        <p:cTn id="8" dur="1" fill="hold">
                                           <p:stCondLst>
                                             <p:cond delay="0"/>
                                           </p:stCondLst>
@@ -12511,15 +12354,6 @@
 </file>
 
 <file path=customXml/item1.xml><?xml version="1.0" encoding="utf-8"?>
-<?mso-contentType ?>
-<FormTemplates xmlns="http://schemas.microsoft.com/sharepoint/v3/contenttype/forms">
-  <Display>DocumentLibraryForm</Display>
-  <Edit>DocumentLibraryForm</Edit>
-  <New>DocumentLibraryForm</New>
-</FormTemplates>
-</file>
-
-<file path=customXml/item2.xml><?xml version="1.0" encoding="utf-8"?>
 <p:properties xmlns:p="http://schemas.microsoft.com/office/2006/metadata/properties" xmlns:xsi="http://www.w3.org/2001/XMLSchema-instance" xmlns:pc="http://schemas.microsoft.com/office/infopath/2007/PartnerControls">
   <documentManagement>
     <Status xmlns="71af3243-3dd4-4a8d-8c0d-dd76da1f02a5">Not started</Status>
@@ -12536,6 +12370,15 @@
     <MediaServiceKeyPoints xmlns="71af3243-3dd4-4a8d-8c0d-dd76da1f02a5" xsi:nil="true"/>
   </documentManagement>
 </p:properties>
+</file>
+
+<file path=customXml/item2.xml><?xml version="1.0" encoding="utf-8"?>
+<?mso-contentType ?>
+<FormTemplates xmlns="http://schemas.microsoft.com/sharepoint/v3/contenttype/forms">
+  <Display>DocumentLibraryForm</Display>
+  <Edit>DocumentLibraryForm</Edit>
+  <New>DocumentLibraryForm</New>
+</FormTemplates>
 </file>
 
 <file path=customXml/item3.xml><?xml version="1.0" encoding="utf-8"?>
@@ -12815,14 +12658,6 @@
 </file>
 
 <file path=customXml/itemProps1.xml><?xml version="1.0" encoding="utf-8"?>
-<ds:datastoreItem xmlns:ds="http://schemas.openxmlformats.org/officeDocument/2006/customXml" ds:itemID="{D6DA60BD-0042-4722-B671-D551884D1EED}">
-  <ds:schemaRefs>
-    <ds:schemaRef ds:uri="http://schemas.microsoft.com/sharepoint/v3/contenttype/forms"/>
-  </ds:schemaRefs>
-</ds:datastoreItem>
-</file>
-
-<file path=customXml/itemProps2.xml><?xml version="1.0" encoding="utf-8"?>
 <ds:datastoreItem xmlns:ds="http://schemas.openxmlformats.org/officeDocument/2006/customXml" ds:itemID="{AC069F72-2015-4FB6-9588-A49CB14BDC12}">
   <ds:schemaRefs>
     <ds:schemaRef ds:uri="http://schemas.microsoft.com/office/2006/metadata/properties"/>
@@ -12830,6 +12665,14 @@
     <ds:schemaRef ds:uri="71af3243-3dd4-4a8d-8c0d-dd76da1f02a5"/>
     <ds:schemaRef ds:uri="http://schemas.microsoft.com/sharepoint/v3"/>
     <ds:schemaRef ds:uri="230e9df3-be65-4c73-a93b-d1236ebd677e"/>
+  </ds:schemaRefs>
+</ds:datastoreItem>
+</file>
+
+<file path=customXml/itemProps2.xml><?xml version="1.0" encoding="utf-8"?>
+<ds:datastoreItem xmlns:ds="http://schemas.openxmlformats.org/officeDocument/2006/customXml" ds:itemID="{D6DA60BD-0042-4722-B671-D551884D1EED}">
+  <ds:schemaRefs>
+    <ds:schemaRef ds:uri="http://schemas.microsoft.com/sharepoint/v3/contenttype/forms"/>
   </ds:schemaRefs>
 </ds:datastoreItem>
 </file>

--- a/Presentation.pptx
+++ b/Presentation.pptx
@@ -1194,6 +1194,35 @@
                 <a:cs typeface="Calibri"/>
               </a:rPr>
               <a:t> format and contain useful info</a:t>
+            </a:r>
+          </a:p>
+          <a:p>
+            <a:endParaRPr lang="en-US" dirty="0">
+              <a:ea typeface="Calibri"/>
+              <a:cs typeface="Calibri"/>
+            </a:endParaRPr>
+          </a:p>
+          <a:p>
+            <a:r>
+              <a:rPr lang="en-US" dirty="0">
+                <a:ea typeface="Calibri"/>
+                <a:cs typeface="Calibri"/>
+              </a:rPr>
+              <a:t>By playing a particular set of opening moves, the White player can coerce the Black player into responding in a predictable way. This leads to common positions appearing in lots </a:t>
+            </a:r>
+            <a:r>
+              <a:rPr lang="en-US" dirty="0" err="1">
+                <a:ea typeface="Calibri"/>
+                <a:cs typeface="Calibri"/>
+              </a:rPr>
+              <a:t>fo</a:t>
+            </a:r>
+            <a:r>
+              <a:rPr lang="en-US" dirty="0">
+                <a:ea typeface="Calibri"/>
+                <a:cs typeface="Calibri"/>
+              </a:rPr>
+              <a:t> games which have been catalogued and given alphanumeric codes. </a:t>
             </a:r>
           </a:p>
           <a:p>
@@ -9476,6 +9505,307 @@
   <p:clrMapOvr>
     <a:masterClrMapping/>
   </p:clrMapOvr>
+  <p:timing>
+    <p:tnLst>
+      <p:par>
+        <p:cTn id="1" dur="indefinite" restart="never" nodeType="tmRoot">
+          <p:childTnLst>
+            <p:seq concurrent="1" nextAc="seek">
+              <p:cTn id="2" dur="indefinite" nodeType="mainSeq">
+                <p:childTnLst>
+                  <p:par>
+                    <p:cTn id="3" fill="hold">
+                      <p:stCondLst>
+                        <p:cond delay="indefinite"/>
+                      </p:stCondLst>
+                      <p:childTnLst>
+                        <p:par>
+                          <p:cTn id="4" fill="hold">
+                            <p:stCondLst>
+                              <p:cond delay="0"/>
+                            </p:stCondLst>
+                            <p:childTnLst>
+                              <p:par>
+                                <p:cTn id="5" presetID="1" presetClass="entr" presetSubtype="0" fill="hold" nodeType="clickEffect">
+                                  <p:stCondLst>
+                                    <p:cond delay="0"/>
+                                  </p:stCondLst>
+                                  <p:childTnLst>
+                                    <p:set>
+                                      <p:cBhvr>
+                                        <p:cTn id="6" dur="1" fill="hold">
+                                          <p:stCondLst>
+                                            <p:cond delay="0"/>
+                                          </p:stCondLst>
+                                        </p:cTn>
+                                        <p:tgtEl>
+                                          <p:spTgt spid="5">
+                                            <p:txEl>
+                                              <p:pRg st="0" end="0"/>
+                                            </p:txEl>
+                                          </p:spTgt>
+                                        </p:tgtEl>
+                                        <p:attrNameLst>
+                                          <p:attrName>style.visibility</p:attrName>
+                                        </p:attrNameLst>
+                                      </p:cBhvr>
+                                      <p:to>
+                                        <p:strVal val="visible"/>
+                                      </p:to>
+                                    </p:set>
+                                  </p:childTnLst>
+                                </p:cTn>
+                              </p:par>
+                              <p:par>
+                                <p:cTn id="7" presetID="1" presetClass="entr" presetSubtype="0" fill="hold" nodeType="withEffect">
+                                  <p:stCondLst>
+                                    <p:cond delay="0"/>
+                                  </p:stCondLst>
+                                  <p:childTnLst>
+                                    <p:set>
+                                      <p:cBhvr>
+                                        <p:cTn id="8" dur="1" fill="hold">
+                                          <p:stCondLst>
+                                            <p:cond delay="0"/>
+                                          </p:stCondLst>
+                                        </p:cTn>
+                                        <p:tgtEl>
+                                          <p:spTgt spid="5">
+                                            <p:txEl>
+                                              <p:pRg st="1" end="1"/>
+                                            </p:txEl>
+                                          </p:spTgt>
+                                        </p:tgtEl>
+                                        <p:attrNameLst>
+                                          <p:attrName>style.visibility</p:attrName>
+                                        </p:attrNameLst>
+                                      </p:cBhvr>
+                                      <p:to>
+                                        <p:strVal val="visible"/>
+                                      </p:to>
+                                    </p:set>
+                                  </p:childTnLst>
+                                </p:cTn>
+                              </p:par>
+                              <p:par>
+                                <p:cTn id="9" presetID="1" presetClass="entr" presetSubtype="0" fill="hold" nodeType="withEffect">
+                                  <p:stCondLst>
+                                    <p:cond delay="0"/>
+                                  </p:stCondLst>
+                                  <p:childTnLst>
+                                    <p:set>
+                                      <p:cBhvr>
+                                        <p:cTn id="10" dur="1" fill="hold">
+                                          <p:stCondLst>
+                                            <p:cond delay="0"/>
+                                          </p:stCondLst>
+                                        </p:cTn>
+                                        <p:tgtEl>
+                                          <p:spTgt spid="5">
+                                            <p:txEl>
+                                              <p:pRg st="2" end="2"/>
+                                            </p:txEl>
+                                          </p:spTgt>
+                                        </p:tgtEl>
+                                        <p:attrNameLst>
+                                          <p:attrName>style.visibility</p:attrName>
+                                        </p:attrNameLst>
+                                      </p:cBhvr>
+                                      <p:to>
+                                        <p:strVal val="visible"/>
+                                      </p:to>
+                                    </p:set>
+                                  </p:childTnLst>
+                                </p:cTn>
+                              </p:par>
+                            </p:childTnLst>
+                          </p:cTn>
+                        </p:par>
+                      </p:childTnLst>
+                    </p:cTn>
+                  </p:par>
+                  <p:par>
+                    <p:cTn id="11" fill="hold">
+                      <p:stCondLst>
+                        <p:cond delay="indefinite"/>
+                      </p:stCondLst>
+                      <p:childTnLst>
+                        <p:par>
+                          <p:cTn id="12" fill="hold">
+                            <p:stCondLst>
+                              <p:cond delay="0"/>
+                            </p:stCondLst>
+                            <p:childTnLst>
+                              <p:par>
+                                <p:cTn id="13" presetID="1" presetClass="entr" presetSubtype="0" fill="hold" nodeType="clickEffect">
+                                  <p:stCondLst>
+                                    <p:cond delay="0"/>
+                                  </p:stCondLst>
+                                  <p:childTnLst>
+                                    <p:set>
+                                      <p:cBhvr>
+                                        <p:cTn id="14" dur="1" fill="hold">
+                                          <p:stCondLst>
+                                            <p:cond delay="0"/>
+                                          </p:stCondLst>
+                                        </p:cTn>
+                                        <p:tgtEl>
+                                          <p:spTgt spid="5">
+                                            <p:txEl>
+                                              <p:pRg st="3" end="3"/>
+                                            </p:txEl>
+                                          </p:spTgt>
+                                        </p:tgtEl>
+                                        <p:attrNameLst>
+                                          <p:attrName>style.visibility</p:attrName>
+                                        </p:attrNameLst>
+                                      </p:cBhvr>
+                                      <p:to>
+                                        <p:strVal val="visible"/>
+                                      </p:to>
+                                    </p:set>
+                                  </p:childTnLst>
+                                </p:cTn>
+                              </p:par>
+                              <p:par>
+                                <p:cTn id="15" presetID="1" presetClass="entr" presetSubtype="0" fill="hold" nodeType="withEffect">
+                                  <p:stCondLst>
+                                    <p:cond delay="0"/>
+                                  </p:stCondLst>
+                                  <p:childTnLst>
+                                    <p:set>
+                                      <p:cBhvr>
+                                        <p:cTn id="16" dur="1" fill="hold">
+                                          <p:stCondLst>
+                                            <p:cond delay="0"/>
+                                          </p:stCondLst>
+                                        </p:cTn>
+                                        <p:tgtEl>
+                                          <p:spTgt spid="5">
+                                            <p:txEl>
+                                              <p:pRg st="4" end="4"/>
+                                            </p:txEl>
+                                          </p:spTgt>
+                                        </p:tgtEl>
+                                        <p:attrNameLst>
+                                          <p:attrName>style.visibility</p:attrName>
+                                        </p:attrNameLst>
+                                      </p:cBhvr>
+                                      <p:to>
+                                        <p:strVal val="visible"/>
+                                      </p:to>
+                                    </p:set>
+                                  </p:childTnLst>
+                                </p:cTn>
+                              </p:par>
+                            </p:childTnLst>
+                          </p:cTn>
+                        </p:par>
+                      </p:childTnLst>
+                    </p:cTn>
+                  </p:par>
+                  <p:par>
+                    <p:cTn id="17" fill="hold">
+                      <p:stCondLst>
+                        <p:cond delay="indefinite"/>
+                      </p:stCondLst>
+                      <p:childTnLst>
+                        <p:par>
+                          <p:cTn id="18" fill="hold">
+                            <p:stCondLst>
+                              <p:cond delay="0"/>
+                            </p:stCondLst>
+                            <p:childTnLst>
+                              <p:par>
+                                <p:cTn id="19" presetID="1" presetClass="entr" presetSubtype="0" fill="hold" nodeType="clickEffect">
+                                  <p:stCondLst>
+                                    <p:cond delay="0"/>
+                                  </p:stCondLst>
+                                  <p:childTnLst>
+                                    <p:set>
+                                      <p:cBhvr>
+                                        <p:cTn id="20" dur="1" fill="hold">
+                                          <p:stCondLst>
+                                            <p:cond delay="0"/>
+                                          </p:stCondLst>
+                                        </p:cTn>
+                                        <p:tgtEl>
+                                          <p:spTgt spid="5">
+                                            <p:txEl>
+                                              <p:pRg st="5" end="5"/>
+                                            </p:txEl>
+                                          </p:spTgt>
+                                        </p:tgtEl>
+                                        <p:attrNameLst>
+                                          <p:attrName>style.visibility</p:attrName>
+                                        </p:attrNameLst>
+                                      </p:cBhvr>
+                                      <p:to>
+                                        <p:strVal val="visible"/>
+                                      </p:to>
+                                    </p:set>
+                                  </p:childTnLst>
+                                </p:cTn>
+                              </p:par>
+                              <p:par>
+                                <p:cTn id="21" presetID="1" presetClass="entr" presetSubtype="0" fill="hold" nodeType="withEffect">
+                                  <p:stCondLst>
+                                    <p:cond delay="0"/>
+                                  </p:stCondLst>
+                                  <p:childTnLst>
+                                    <p:set>
+                                      <p:cBhvr>
+                                        <p:cTn id="22" dur="1" fill="hold">
+                                          <p:stCondLst>
+                                            <p:cond delay="0"/>
+                                          </p:stCondLst>
+                                        </p:cTn>
+                                        <p:tgtEl>
+                                          <p:spTgt spid="5">
+                                            <p:txEl>
+                                              <p:pRg st="6" end="6"/>
+                                            </p:txEl>
+                                          </p:spTgt>
+                                        </p:tgtEl>
+                                        <p:attrNameLst>
+                                          <p:attrName>style.visibility</p:attrName>
+                                        </p:attrNameLst>
+                                      </p:cBhvr>
+                                      <p:to>
+                                        <p:strVal val="visible"/>
+                                      </p:to>
+                                    </p:set>
+                                  </p:childTnLst>
+                                </p:cTn>
+                              </p:par>
+                            </p:childTnLst>
+                          </p:cTn>
+                        </p:par>
+                      </p:childTnLst>
+                    </p:cTn>
+                  </p:par>
+                </p:childTnLst>
+              </p:cTn>
+              <p:prevCondLst>
+                <p:cond evt="onPrev" delay="0">
+                  <p:tgtEl>
+                    <p:sldTgt/>
+                  </p:tgtEl>
+                </p:cond>
+              </p:prevCondLst>
+              <p:nextCondLst>
+                <p:cond evt="onNext" delay="0">
+                  <p:tgtEl>
+                    <p:sldTgt/>
+                  </p:tgtEl>
+                </p:cond>
+              </p:nextCondLst>
+            </p:seq>
+          </p:childTnLst>
+        </p:cTn>
+      </p:par>
+    </p:tnLst>
+  </p:timing>
 </p:sld>
 </file>
 
@@ -12354,6 +12684,15 @@
 </file>
 
 <file path=customXml/item1.xml><?xml version="1.0" encoding="utf-8"?>
+<?mso-contentType ?>
+<FormTemplates xmlns="http://schemas.microsoft.com/sharepoint/v3/contenttype/forms">
+  <Display>DocumentLibraryForm</Display>
+  <Edit>DocumentLibraryForm</Edit>
+  <New>DocumentLibraryForm</New>
+</FormTemplates>
+</file>
+
+<file path=customXml/item2.xml><?xml version="1.0" encoding="utf-8"?>
 <p:properties xmlns:p="http://schemas.microsoft.com/office/2006/metadata/properties" xmlns:xsi="http://www.w3.org/2001/XMLSchema-instance" xmlns:pc="http://schemas.microsoft.com/office/infopath/2007/PartnerControls">
   <documentManagement>
     <Status xmlns="71af3243-3dd4-4a8d-8c0d-dd76da1f02a5">Not started</Status>
@@ -12370,15 +12709,6 @@
     <MediaServiceKeyPoints xmlns="71af3243-3dd4-4a8d-8c0d-dd76da1f02a5" xsi:nil="true"/>
   </documentManagement>
 </p:properties>
-</file>
-
-<file path=customXml/item2.xml><?xml version="1.0" encoding="utf-8"?>
-<?mso-contentType ?>
-<FormTemplates xmlns="http://schemas.microsoft.com/sharepoint/v3/contenttype/forms">
-  <Display>DocumentLibraryForm</Display>
-  <Edit>DocumentLibraryForm</Edit>
-  <New>DocumentLibraryForm</New>
-</FormTemplates>
 </file>
 
 <file path=customXml/item3.xml><?xml version="1.0" encoding="utf-8"?>
@@ -12658,6 +12988,14 @@
 </file>
 
 <file path=customXml/itemProps1.xml><?xml version="1.0" encoding="utf-8"?>
+<ds:datastoreItem xmlns:ds="http://schemas.openxmlformats.org/officeDocument/2006/customXml" ds:itemID="{D6DA60BD-0042-4722-B671-D551884D1EED}">
+  <ds:schemaRefs>
+    <ds:schemaRef ds:uri="http://schemas.microsoft.com/sharepoint/v3/contenttype/forms"/>
+  </ds:schemaRefs>
+</ds:datastoreItem>
+</file>
+
+<file path=customXml/itemProps2.xml><?xml version="1.0" encoding="utf-8"?>
 <ds:datastoreItem xmlns:ds="http://schemas.openxmlformats.org/officeDocument/2006/customXml" ds:itemID="{AC069F72-2015-4FB6-9588-A49CB14BDC12}">
   <ds:schemaRefs>
     <ds:schemaRef ds:uri="http://schemas.microsoft.com/office/2006/metadata/properties"/>
@@ -12665,14 +13003,6 @@
     <ds:schemaRef ds:uri="71af3243-3dd4-4a8d-8c0d-dd76da1f02a5"/>
     <ds:schemaRef ds:uri="http://schemas.microsoft.com/sharepoint/v3"/>
     <ds:schemaRef ds:uri="230e9df3-be65-4c73-a93b-d1236ebd677e"/>
-  </ds:schemaRefs>
-</ds:datastoreItem>
-</file>
-
-<file path=customXml/itemProps2.xml><?xml version="1.0" encoding="utf-8"?>
-<ds:datastoreItem xmlns:ds="http://schemas.openxmlformats.org/officeDocument/2006/customXml" ds:itemID="{D6DA60BD-0042-4722-B671-D551884D1EED}">
-  <ds:schemaRefs>
-    <ds:schemaRef ds:uri="http://schemas.microsoft.com/sharepoint/v3/contenttype/forms"/>
   </ds:schemaRefs>
 </ds:datastoreItem>
 </file>
